--- a/Presentacion/PresentacionAppRestLaFragua.pptx
+++ b/Presentacion/PresentacionAppRestLaFragua.pptx
@@ -28,6 +28,7 @@
     <p:sldId id="289" r:id="rId22"/>
     <p:sldId id="280" r:id="rId23"/>
     <p:sldId id="281" r:id="rId24"/>
+    <p:sldId id="290" r:id="rId25"/>
   </p:sldIdLst>
   <p:sldSz cx="12192000" cy="6858000"/>
   <p:notesSz cx="6858000" cy="9144000"/>
@@ -322,7 +323,7 @@
           <a:p>
             <a:fld id="{6C1D7ECC-EA29-4A17-BEE4-D83B1778AC25}" type="datetimeFigureOut">
               <a:rPr lang="eu-ES" smtClean="0"/>
-              <a:t>2019/3/10</a:t>
+              <a:t>2019/3/12</a:t>
             </a:fld>
             <a:endParaRPr lang="eu-ES"/>
           </a:p>
@@ -660,7 +661,7 @@
           <a:p>
             <a:fld id="{6C1D7ECC-EA29-4A17-BEE4-D83B1778AC25}" type="datetimeFigureOut">
               <a:rPr lang="eu-ES" smtClean="0"/>
-              <a:t>2019/3/10</a:t>
+              <a:t>2019/3/12</a:t>
             </a:fld>
             <a:endParaRPr lang="eu-ES"/>
           </a:p>
@@ -1061,7 +1062,7 @@
           <a:p>
             <a:fld id="{6C1D7ECC-EA29-4A17-BEE4-D83B1778AC25}" type="datetimeFigureOut">
               <a:rPr lang="eu-ES" smtClean="0"/>
-              <a:t>2019/3/10</a:t>
+              <a:t>2019/3/12</a:t>
             </a:fld>
             <a:endParaRPr lang="eu-ES"/>
           </a:p>
@@ -1397,7 +1398,7 @@
           <a:p>
             <a:fld id="{6C1D7ECC-EA29-4A17-BEE4-D83B1778AC25}" type="datetimeFigureOut">
               <a:rPr lang="eu-ES" smtClean="0"/>
-              <a:t>2019/3/10</a:t>
+              <a:t>2019/3/12</a:t>
             </a:fld>
             <a:endParaRPr lang="eu-ES"/>
           </a:p>
@@ -1717,7 +1718,7 @@
           <a:p>
             <a:fld id="{6C1D7ECC-EA29-4A17-BEE4-D83B1778AC25}" type="datetimeFigureOut">
               <a:rPr lang="eu-ES" smtClean="0"/>
-              <a:t>2019/3/10</a:t>
+              <a:t>2019/3/12</a:t>
             </a:fld>
             <a:endParaRPr lang="eu-ES"/>
           </a:p>
@@ -2113,7 +2114,7 @@
           <a:p>
             <a:fld id="{6C1D7ECC-EA29-4A17-BEE4-D83B1778AC25}" type="datetimeFigureOut">
               <a:rPr lang="eu-ES" smtClean="0"/>
-              <a:t>2019/3/10</a:t>
+              <a:t>2019/3/12</a:t>
             </a:fld>
             <a:endParaRPr lang="eu-ES"/>
           </a:p>
@@ -2370,7 +2371,7 @@
           <a:p>
             <a:fld id="{6C1D7ECC-EA29-4A17-BEE4-D83B1778AC25}" type="datetimeFigureOut">
               <a:rPr lang="eu-ES" smtClean="0"/>
-              <a:t>2019/3/10</a:t>
+              <a:t>2019/3/12</a:t>
             </a:fld>
             <a:endParaRPr lang="eu-ES"/>
           </a:p>
@@ -2632,7 +2633,7 @@
           <a:p>
             <a:fld id="{6C1D7ECC-EA29-4A17-BEE4-D83B1778AC25}" type="datetimeFigureOut">
               <a:rPr lang="eu-ES" smtClean="0"/>
-              <a:t>2019/3/10</a:t>
+              <a:t>2019/3/12</a:t>
             </a:fld>
             <a:endParaRPr lang="eu-ES"/>
           </a:p>
@@ -2894,7 +2895,7 @@
           <a:p>
             <a:fld id="{6C1D7ECC-EA29-4A17-BEE4-D83B1778AC25}" type="datetimeFigureOut">
               <a:rPr lang="eu-ES" smtClean="0"/>
-              <a:t>2019/3/10</a:t>
+              <a:t>2019/3/12</a:t>
             </a:fld>
             <a:endParaRPr lang="eu-ES"/>
           </a:p>
@@ -3223,7 +3224,7 @@
           <a:p>
             <a:fld id="{6C1D7ECC-EA29-4A17-BEE4-D83B1778AC25}" type="datetimeFigureOut">
               <a:rPr lang="eu-ES" smtClean="0"/>
-              <a:t>2019/3/10</a:t>
+              <a:t>2019/3/12</a:t>
             </a:fld>
             <a:endParaRPr lang="eu-ES"/>
           </a:p>
@@ -3546,7 +3547,7 @@
           <a:p>
             <a:fld id="{6C1D7ECC-EA29-4A17-BEE4-D83B1778AC25}" type="datetimeFigureOut">
               <a:rPr lang="eu-ES" smtClean="0"/>
-              <a:t>2019/3/10</a:t>
+              <a:t>2019/3/12</a:t>
             </a:fld>
             <a:endParaRPr lang="eu-ES"/>
           </a:p>
@@ -4003,7 +4004,7 @@
           <a:p>
             <a:fld id="{6C1D7ECC-EA29-4A17-BEE4-D83B1778AC25}" type="datetimeFigureOut">
               <a:rPr lang="eu-ES" smtClean="0"/>
-              <a:t>2019/3/10</a:t>
+              <a:t>2019/3/12</a:t>
             </a:fld>
             <a:endParaRPr lang="eu-ES"/>
           </a:p>
@@ -4208,7 +4209,7 @@
           <a:p>
             <a:fld id="{6C1D7ECC-EA29-4A17-BEE4-D83B1778AC25}" type="datetimeFigureOut">
               <a:rPr lang="eu-ES" smtClean="0"/>
-              <a:t>2019/3/10</a:t>
+              <a:t>2019/3/12</a:t>
             </a:fld>
             <a:endParaRPr lang="eu-ES"/>
           </a:p>
@@ -4385,7 +4386,7 @@
           <a:p>
             <a:fld id="{6C1D7ECC-EA29-4A17-BEE4-D83B1778AC25}" type="datetimeFigureOut">
               <a:rPr lang="eu-ES" smtClean="0"/>
-              <a:t>2019/3/10</a:t>
+              <a:t>2019/3/12</a:t>
             </a:fld>
             <a:endParaRPr lang="eu-ES"/>
           </a:p>
@@ -4718,7 +4719,7 @@
           <a:p>
             <a:fld id="{6C1D7ECC-EA29-4A17-BEE4-D83B1778AC25}" type="datetimeFigureOut">
               <a:rPr lang="eu-ES" smtClean="0"/>
-              <a:t>2019/3/10</a:t>
+              <a:t>2019/3/12</a:t>
             </a:fld>
             <a:endParaRPr lang="eu-ES"/>
           </a:p>
@@ -5063,7 +5064,7 @@
           <a:p>
             <a:fld id="{6C1D7ECC-EA29-4A17-BEE4-D83B1778AC25}" type="datetimeFigureOut">
               <a:rPr lang="eu-ES" smtClean="0"/>
-              <a:t>2019/3/10</a:t>
+              <a:t>2019/3/12</a:t>
             </a:fld>
             <a:endParaRPr lang="eu-ES"/>
           </a:p>
@@ -7180,7 +7181,7 @@
           <a:p>
             <a:fld id="{6C1D7ECC-EA29-4A17-BEE4-D83B1778AC25}" type="datetimeFigureOut">
               <a:rPr lang="eu-ES" smtClean="0"/>
-              <a:t>2019/3/10</a:t>
+              <a:t>2019/3/12</a:t>
             </a:fld>
             <a:endParaRPr lang="eu-ES"/>
           </a:p>
@@ -7760,7 +7761,7 @@
       </p:sp>
       <p:pic>
         <p:nvPicPr>
-          <p:cNvPr id="5" name="Picture 4"/>
+          <p:cNvPr id="4" name="Picture 3"/>
           <p:cNvPicPr>
             <a:picLocks noChangeAspect="1"/>
           </p:cNvPicPr>
@@ -7780,8 +7781,8 @@
         </p:blipFill>
         <p:spPr>
           <a:xfrm>
-            <a:off x="4481849" y="708941"/>
-            <a:ext cx="2835520" cy="2143125"/>
+            <a:off x="4737270" y="330359"/>
+            <a:ext cx="2717460" cy="2539682"/>
           </a:xfrm>
           <a:prstGeom prst="rect">
             <a:avLst/>
@@ -8135,11 +8136,6 @@
               </a:rPr>
               <a:t>Incremento del servicio.</a:t>
             </a:r>
-            <a:endParaRPr lang="eu-ES" dirty="0" smtClean="0">
-              <a:solidFill>
-                <a:srgbClr val="FF0000"/>
-              </a:solidFill>
-            </a:endParaRPr>
           </a:p>
           <a:p>
             <a:pPr lvl="2" algn="just"/>
@@ -8210,11 +8206,7 @@
           <a:p>
             <a:r>
               <a:rPr lang="es-ES" b="1" dirty="0" smtClean="0"/>
-              <a:t>Identificación </a:t>
-            </a:r>
-            <a:r>
-              <a:rPr lang="es-ES" b="1" dirty="0" smtClean="0"/>
-              <a:t>de la competencia.</a:t>
+              <a:t>Identificación de la competencia.</a:t>
             </a:r>
             <a:endParaRPr lang="eu-ES" b="1" dirty="0"/>
           </a:p>
@@ -8296,7 +8288,6 @@
               <a:rPr lang="eu-ES" dirty="0" smtClean="0"/>
               <a:t>.</a:t>
             </a:r>
-            <a:endParaRPr lang="eu-ES" dirty="0" smtClean="0"/>
           </a:p>
           <a:p>
             <a:r>
@@ -8467,7 +8458,6 @@
               <a:rPr lang="eu-ES" dirty="0" smtClean="0"/>
               <a:t>No intermediarios = No saturación.</a:t>
             </a:r>
-            <a:endParaRPr lang="eu-ES" dirty="0" smtClean="0"/>
           </a:p>
           <a:p>
             <a:pPr lvl="0" algn="just"/>
@@ -8600,11 +8590,7 @@
           <a:p>
             <a:r>
               <a:rPr lang="es-ES" b="1" dirty="0" smtClean="0"/>
-              <a:t>Alcance </a:t>
-            </a:r>
-            <a:r>
-              <a:rPr lang="es-ES" b="1" dirty="0" smtClean="0"/>
-              <a:t>de App Restaurante La Fragua.</a:t>
+              <a:t>Alcance de App Restaurante La Fragua.</a:t>
             </a:r>
             <a:endParaRPr lang="eu-ES" b="1" dirty="0"/>
           </a:p>
@@ -8649,7 +8635,6 @@
               <a:rPr lang="eu-ES" dirty="0" smtClean="0"/>
               <a:t>Alcance a otro tipo de consumidor, a otros hábitos de consumo.</a:t>
             </a:r>
-            <a:endParaRPr lang="eu-ES" dirty="0" smtClean="0"/>
           </a:p>
           <a:p>
             <a:r>
@@ -8770,13 +8755,8 @@
             <a:pPr lvl="1"/>
             <a:r>
               <a:rPr lang="es-ES" sz="2800" dirty="0" smtClean="0"/>
-              <a:t>Selección de la tecnología</a:t>
-            </a:r>
-            <a:r>
-              <a:rPr lang="es-ES" sz="2800" dirty="0" smtClean="0"/>
-              <a:t>.</a:t>
-            </a:r>
-            <a:endParaRPr lang="es-ES" sz="2800" dirty="0" smtClean="0"/>
+              <a:t>Selección de la tecnología.</a:t>
+            </a:r>
           </a:p>
           <a:p>
             <a:pPr lvl="1"/>
@@ -8798,17 +8778,12 @@
               <a:rPr lang="es-ES" sz="2600" dirty="0" smtClean="0"/>
               <a:t>Diagramas de flujo, de clases..</a:t>
             </a:r>
-            <a:endParaRPr lang="es-ES" sz="2600" dirty="0" smtClean="0"/>
           </a:p>
           <a:p>
             <a:pPr lvl="1"/>
             <a:r>
               <a:rPr lang="es-ES" sz="2800" dirty="0" smtClean="0"/>
-              <a:t>Simulación del funcionamiento de la App</a:t>
-            </a:r>
-            <a:r>
-              <a:rPr lang="es-ES" sz="2800" dirty="0" smtClean="0"/>
-              <a:t>.</a:t>
+              <a:t>Simulación del funcionamiento de la App.</a:t>
             </a:r>
             <a:endParaRPr lang="es-ES" sz="2800" dirty="0"/>
           </a:p>
@@ -9056,6 +9031,13 @@
   <p:clrMapOvr>
     <a:masterClrMapping/>
   </p:clrMapOvr>
+  <p:timing>
+    <p:tnLst>
+      <p:par>
+        <p:cTn id="1" dur="indefinite" restart="never" nodeType="tmRoot"/>
+      </p:par>
+    </p:tnLst>
+  </p:timing>
 </p:sld>
 </file>
 
@@ -9143,6 +9125,13 @@
   <p:clrMapOvr>
     <a:masterClrMapping/>
   </p:clrMapOvr>
+  <p:timing>
+    <p:tnLst>
+      <p:par>
+        <p:cTn id="1" dur="indefinite" restart="never" nodeType="tmRoot"/>
+      </p:par>
+    </p:tnLst>
+  </p:timing>
 </p:sld>
 </file>
 
@@ -9230,6 +9219,13 @@
   <p:clrMapOvr>
     <a:masterClrMapping/>
   </p:clrMapOvr>
+  <p:timing>
+    <p:tnLst>
+      <p:par>
+        <p:cTn id="1" dur="indefinite" restart="never" nodeType="tmRoot"/>
+      </p:par>
+    </p:tnLst>
+  </p:timing>
 </p:sld>
 </file>
 
@@ -9345,6 +9341,13 @@
   <p:clrMapOvr>
     <a:masterClrMapping/>
   </p:clrMapOvr>
+  <p:timing>
+    <p:tnLst>
+      <p:par>
+        <p:cTn id="1" dur="indefinite" restart="never" nodeType="tmRoot"/>
+      </p:par>
+    </p:tnLst>
+  </p:timing>
 </p:sld>
 </file>
 
@@ -9449,13 +9452,8 @@
             <a:pPr lvl="1"/>
             <a:r>
               <a:rPr lang="es-ES" sz="2400" dirty="0" smtClean="0"/>
-              <a:t>Unos 35 </a:t>
-            </a:r>
-            <a:r>
-              <a:rPr lang="es-ES" sz="2400" dirty="0" smtClean="0"/>
-              <a:t>años en el sector.</a:t>
-            </a:r>
-            <a:endParaRPr lang="es-ES" sz="2400" dirty="0" smtClean="0"/>
+              <a:t>Unos 35 años en el sector.</a:t>
+            </a:r>
           </a:p>
           <a:p>
             <a:pPr lvl="1"/>
@@ -9623,6 +9621,13 @@
   <p:clrMapOvr>
     <a:masterClrMapping/>
   </p:clrMapOvr>
+  <p:timing>
+    <p:tnLst>
+      <p:par>
+        <p:cTn id="1" dur="indefinite" restart="never" nodeType="tmRoot"/>
+      </p:par>
+    </p:tnLst>
+  </p:timing>
 </p:sld>
 </file>
 
@@ -9728,6 +9733,13 @@
   <p:clrMapOvr>
     <a:masterClrMapping/>
   </p:clrMapOvr>
+  <p:timing>
+    <p:tnLst>
+      <p:par>
+        <p:cTn id="1" dur="indefinite" restart="never" nodeType="tmRoot"/>
+      </p:par>
+    </p:tnLst>
+  </p:timing>
 </p:sld>
 </file>
 
@@ -9956,6 +9968,84 @@
             <a:pPr marL="0" indent="0">
               <a:buNone/>
             </a:pPr>
+            <a:r>
+              <a:rPr lang="eu-ES" dirty="0">
+                <a:hlinkClick r:id="rId3"/>
+              </a:rPr>
+              <a:t>https://</a:t>
+            </a:r>
+            <a:r>
+              <a:rPr lang="eu-ES" dirty="0" smtClean="0">
+                <a:hlinkClick r:id="rId3"/>
+              </a:rPr>
+              <a:t>elpais.com/economia/2017/12/01/actualidad/1512125659_853869.html</a:t>
+            </a:r>
+            <a:endParaRPr lang="eu-ES" dirty="0" smtClean="0"/>
+          </a:p>
+          <a:p>
+            <a:pPr marL="0" indent="0">
+              <a:buNone/>
+            </a:pPr>
+            <a:r>
+              <a:rPr lang="eu-ES" dirty="0">
+                <a:hlinkClick r:id="rId4"/>
+              </a:rPr>
+              <a:t>https://www.tu-app.net/blog/app-restaurante</a:t>
+            </a:r>
+            <a:r>
+              <a:rPr lang="eu-ES" dirty="0" smtClean="0">
+                <a:hlinkClick r:id="rId4"/>
+              </a:rPr>
+              <a:t>/</a:t>
+            </a:r>
+            <a:endParaRPr lang="eu-ES" dirty="0" smtClean="0"/>
+          </a:p>
+          <a:p>
+            <a:pPr marL="0" indent="0">
+              <a:buNone/>
+            </a:pPr>
+            <a:r>
+              <a:rPr lang="eu-ES" dirty="0">
+                <a:hlinkClick r:id="rId5"/>
+              </a:rPr>
+              <a:t>https://www.freshcommerce.es/blog/aplicacion-movil-para-mi-restaurante</a:t>
+            </a:r>
+            <a:r>
+              <a:rPr lang="eu-ES" dirty="0" smtClean="0">
+                <a:hlinkClick r:id="rId5"/>
+              </a:rPr>
+              <a:t>/</a:t>
+            </a:r>
+            <a:endParaRPr lang="eu-ES" dirty="0" smtClean="0"/>
+          </a:p>
+          <a:p>
+            <a:pPr marL="0" indent="0">
+              <a:buNone/>
+            </a:pPr>
+            <a:r>
+              <a:rPr lang="eu-ES" dirty="0">
+                <a:hlinkClick r:id="rId6"/>
+              </a:rPr>
+              <a:t>http://www.nextclick.computer/blog/uncategorized/prueba-2</a:t>
+            </a:r>
+            <a:r>
+              <a:rPr lang="eu-ES" dirty="0" smtClean="0">
+                <a:hlinkClick r:id="rId6"/>
+              </a:rPr>
+              <a:t>/</a:t>
+            </a:r>
+            <a:endParaRPr lang="eu-ES" dirty="0" smtClean="0"/>
+          </a:p>
+          <a:p>
+            <a:pPr marL="0" indent="0">
+              <a:buNone/>
+            </a:pPr>
+            <a:endParaRPr lang="eu-ES" dirty="0" smtClean="0"/>
+          </a:p>
+          <a:p>
+            <a:pPr marL="0" indent="0">
+              <a:buNone/>
+            </a:pPr>
             <a:endParaRPr lang="eu-ES" dirty="0"/>
           </a:p>
         </p:txBody>
@@ -9980,6 +10070,98 @@
 </p:sld>
 </file>
 
+<file path=ppt/slides/slide24.xml><?xml version="1.0" encoding="utf-8"?>
+<p:sld xmlns:a="http://schemas.openxmlformats.org/drawingml/2006/main" xmlns:r="http://schemas.openxmlformats.org/officeDocument/2006/relationships" xmlns:p="http://schemas.openxmlformats.org/presentationml/2006/main">
+  <p:cSld>
+    <p:spTree>
+      <p:nvGrpSpPr>
+        <p:cNvPr id="1" name=""/>
+        <p:cNvGrpSpPr/>
+        <p:nvPr/>
+      </p:nvGrpSpPr>
+      <p:grpSpPr>
+        <a:xfrm>
+          <a:off x="0" y="0"/>
+          <a:ext cx="0" cy="0"/>
+          <a:chOff x="0" y="0"/>
+          <a:chExt cx="0" cy="0"/>
+        </a:xfrm>
+      </p:grpSpPr>
+      <p:sp>
+        <p:nvSpPr>
+          <p:cNvPr id="2" name="Title 1"/>
+          <p:cNvSpPr>
+            <a:spLocks noGrp="1"/>
+          </p:cNvSpPr>
+          <p:nvPr>
+            <p:ph type="title"/>
+          </p:nvPr>
+        </p:nvSpPr>
+        <p:spPr>
+          <a:xfrm>
+            <a:off x="463639" y="1242296"/>
+            <a:ext cx="11040973" cy="1280890"/>
+          </a:xfrm>
+        </p:spPr>
+        <p:txBody>
+          <a:bodyPr>
+            <a:normAutofit fontScale="90000"/>
+          </a:bodyPr>
+          <a:lstStyle/>
+          <a:p>
+            <a:r>
+              <a:rPr lang="es-ES" b="1" dirty="0"/>
+              <a:t>https://github.com/ALJ00/App_Restaurante_La_Fragua</a:t>
+            </a:r>
+            <a:br>
+              <a:rPr lang="es-ES" b="1" dirty="0"/>
+            </a:br>
+            <a:endParaRPr lang="es-ES" dirty="0"/>
+          </a:p>
+        </p:txBody>
+      </p:sp>
+      <p:pic>
+        <p:nvPicPr>
+          <p:cNvPr id="4" name="Content Placeholder 3"/>
+          <p:cNvPicPr>
+            <a:picLocks noGrp="1" noChangeAspect="1"/>
+          </p:cNvPicPr>
+          <p:nvPr>
+            <p:ph idx="1"/>
+          </p:nvPr>
+        </p:nvPicPr>
+        <p:blipFill>
+          <a:blip r:embed="rId2">
+            <a:extLst>
+              <a:ext uri="{28A0092B-C50C-407E-A947-70E740481C1C}">
+                <a14:useLocalDpi xmlns:a14="http://schemas.microsoft.com/office/drawing/2010/main" val="0"/>
+              </a:ext>
+            </a:extLst>
+          </a:blip>
+          <a:stretch>
+            <a:fillRect/>
+          </a:stretch>
+        </p:blipFill>
+        <p:spPr>
+          <a:xfrm>
+            <a:off x="2730322" y="2820474"/>
+            <a:ext cx="6503830" cy="2989940"/>
+          </a:xfrm>
+        </p:spPr>
+      </p:pic>
+    </p:spTree>
+    <p:extLst>
+      <p:ext uri="{BB962C8B-B14F-4D97-AF65-F5344CB8AC3E}">
+        <p14:creationId xmlns:p14="http://schemas.microsoft.com/office/powerpoint/2010/main" val="3961686465"/>
+      </p:ext>
+    </p:extLst>
+  </p:cSld>
+  <p:clrMapOvr>
+    <a:masterClrMapping/>
+  </p:clrMapOvr>
+</p:sld>
+</file>
+
 <file path=ppt/slides/slide3.xml><?xml version="1.0" encoding="utf-8"?>
 <p:sld xmlns:a="http://schemas.openxmlformats.org/drawingml/2006/main" xmlns:r="http://schemas.openxmlformats.org/officeDocument/2006/relationships" xmlns:p="http://schemas.openxmlformats.org/presentationml/2006/main">
   <p:cSld>
@@ -10148,6 +10330,13 @@
   <p:clrMapOvr>
     <a:masterClrMapping/>
   </p:clrMapOvr>
+  <p:timing>
+    <p:tnLst>
+      <p:par>
+        <p:cTn id="1" dur="indefinite" restart="never" nodeType="tmRoot"/>
+      </p:par>
+    </p:tnLst>
+  </p:timing>
 </p:sld>
 </file>
 
@@ -10597,15 +10786,7 @@
           <a:p>
             <a:r>
               <a:rPr lang="es-ES" dirty="0" smtClean="0"/>
-              <a:t>Trabajar y </a:t>
-            </a:r>
-            <a:r>
-              <a:rPr lang="es-ES" dirty="0" smtClean="0"/>
-              <a:t>potenciar </a:t>
-            </a:r>
-            <a:r>
-              <a:rPr lang="es-ES" dirty="0" smtClean="0"/>
-              <a:t>otro sector de negocio.</a:t>
+              <a:t>Trabajar y potenciar otro sector de negocio.</a:t>
             </a:r>
           </a:p>
           <a:p>
@@ -10688,11 +10869,7 @@
           <a:p>
             <a:r>
               <a:rPr lang="es-ES" b="1" dirty="0" smtClean="0"/>
-              <a:t>Fase </a:t>
-            </a:r>
-            <a:r>
-              <a:rPr lang="es-ES" b="1" dirty="0" smtClean="0"/>
-              <a:t>1ª: Análisis del nuevo canal de negocio.</a:t>
+              <a:t>Fase 1ª: Análisis del nuevo canal de negocio.</a:t>
             </a:r>
             <a:endParaRPr lang="eu-ES" b="1" dirty="0"/>
           </a:p>
@@ -10804,55 +10981,34 @@
           <a:p>
             <a:r>
               <a:rPr lang="es-ES" dirty="0" smtClean="0"/>
-              <a:t>Lo piden los propios clientes</a:t>
-            </a:r>
-            <a:r>
-              <a:rPr lang="es-ES" dirty="0" smtClean="0"/>
-              <a:t>.</a:t>
-            </a:r>
-            <a:endParaRPr lang="es-ES" dirty="0" smtClean="0"/>
+              <a:t>Lo piden los propios clientes.</a:t>
+            </a:r>
           </a:p>
           <a:p>
             <a:r>
               <a:rPr lang="es-ES" dirty="0" smtClean="0"/>
               <a:t>Actualizarse o morir.</a:t>
             </a:r>
-            <a:endParaRPr lang="es-ES" dirty="0" smtClean="0"/>
           </a:p>
           <a:p>
             <a:r>
               <a:rPr lang="es-ES" dirty="0" smtClean="0"/>
-              <a:t>Razones estratégicas y de </a:t>
-            </a:r>
+              <a:t>Razones estratégicas y de competitividad:</a:t>
+            </a:r>
+          </a:p>
+          <a:p>
+            <a:pPr lvl="1"/>
             <a:r>
               <a:rPr lang="es-ES" dirty="0" smtClean="0"/>
-              <a:t>competitividad:</a:t>
-            </a:r>
-            <a:endParaRPr lang="es-ES" dirty="0" smtClean="0"/>
+              <a:t>Ofrecer servicio online cubre más mercado.</a:t>
+            </a:r>
           </a:p>
           <a:p>
             <a:pPr lvl="1"/>
             <a:r>
               <a:rPr lang="es-ES" dirty="0" smtClean="0"/>
-              <a:t>Ofrecer servicio online cubre más mercado</a:t>
-            </a:r>
-            <a:r>
-              <a:rPr lang="es-ES" dirty="0" smtClean="0"/>
-              <a:t>.</a:t>
-            </a:r>
-            <a:endParaRPr lang="es-ES" dirty="0" smtClean="0"/>
-          </a:p>
-          <a:p>
-            <a:pPr lvl="1"/>
-            <a:r>
-              <a:rPr lang="es-ES" dirty="0" smtClean="0"/>
-              <a:t>Imagen de marca</a:t>
-            </a:r>
-            <a:r>
-              <a:rPr lang="es-ES" dirty="0" smtClean="0"/>
-              <a:t>.</a:t>
-            </a:r>
-            <a:endParaRPr lang="es-ES" dirty="0" smtClean="0"/>
+              <a:t>Imagen de marca.</a:t>
+            </a:r>
           </a:p>
           <a:p>
             <a:pPr lvl="1"/>
@@ -11093,6 +11249,13 @@
   <p:clrMapOvr>
     <a:masterClrMapping/>
   </p:clrMapOvr>
+  <p:timing>
+    <p:tnLst>
+      <p:par>
+        <p:cTn id="1" dur="indefinite" restart="never" nodeType="tmRoot"/>
+      </p:par>
+    </p:tnLst>
+  </p:timing>
 </p:sld>
 </file>
 

--- a/Presentacion/PresentacionAppRestLaFragua.pptx
+++ b/Presentacion/PresentacionAppRestLaFragua.pptx
@@ -28,7 +28,8 @@
     <p:sldId id="289" r:id="rId22"/>
     <p:sldId id="280" r:id="rId23"/>
     <p:sldId id="281" r:id="rId24"/>
-    <p:sldId id="290" r:id="rId25"/>
+    <p:sldId id="291" r:id="rId25"/>
+    <p:sldId id="290" r:id="rId26"/>
   </p:sldIdLst>
   <p:sldSz cx="12192000" cy="6858000"/>
   <p:notesSz cx="6858000" cy="9144000"/>
@@ -323,7 +324,7 @@
           <a:p>
             <a:fld id="{6C1D7ECC-EA29-4A17-BEE4-D83B1778AC25}" type="datetimeFigureOut">
               <a:rPr lang="eu-ES" smtClean="0"/>
-              <a:t>2019/3/12</a:t>
+              <a:t>2019/3/24</a:t>
             </a:fld>
             <a:endParaRPr lang="eu-ES"/>
           </a:p>
@@ -661,7 +662,7 @@
           <a:p>
             <a:fld id="{6C1D7ECC-EA29-4A17-BEE4-D83B1778AC25}" type="datetimeFigureOut">
               <a:rPr lang="eu-ES" smtClean="0"/>
-              <a:t>2019/3/12</a:t>
+              <a:t>2019/3/24</a:t>
             </a:fld>
             <a:endParaRPr lang="eu-ES"/>
           </a:p>
@@ -1062,7 +1063,7 @@
           <a:p>
             <a:fld id="{6C1D7ECC-EA29-4A17-BEE4-D83B1778AC25}" type="datetimeFigureOut">
               <a:rPr lang="eu-ES" smtClean="0"/>
-              <a:t>2019/3/12</a:t>
+              <a:t>2019/3/24</a:t>
             </a:fld>
             <a:endParaRPr lang="eu-ES"/>
           </a:p>
@@ -1398,7 +1399,7 @@
           <a:p>
             <a:fld id="{6C1D7ECC-EA29-4A17-BEE4-D83B1778AC25}" type="datetimeFigureOut">
               <a:rPr lang="eu-ES" smtClean="0"/>
-              <a:t>2019/3/12</a:t>
+              <a:t>2019/3/24</a:t>
             </a:fld>
             <a:endParaRPr lang="eu-ES"/>
           </a:p>
@@ -1718,7 +1719,7 @@
           <a:p>
             <a:fld id="{6C1D7ECC-EA29-4A17-BEE4-D83B1778AC25}" type="datetimeFigureOut">
               <a:rPr lang="eu-ES" smtClean="0"/>
-              <a:t>2019/3/12</a:t>
+              <a:t>2019/3/24</a:t>
             </a:fld>
             <a:endParaRPr lang="eu-ES"/>
           </a:p>
@@ -2114,7 +2115,7 @@
           <a:p>
             <a:fld id="{6C1D7ECC-EA29-4A17-BEE4-D83B1778AC25}" type="datetimeFigureOut">
               <a:rPr lang="eu-ES" smtClean="0"/>
-              <a:t>2019/3/12</a:t>
+              <a:t>2019/3/24</a:t>
             </a:fld>
             <a:endParaRPr lang="eu-ES"/>
           </a:p>
@@ -2371,7 +2372,7 @@
           <a:p>
             <a:fld id="{6C1D7ECC-EA29-4A17-BEE4-D83B1778AC25}" type="datetimeFigureOut">
               <a:rPr lang="eu-ES" smtClean="0"/>
-              <a:t>2019/3/12</a:t>
+              <a:t>2019/3/24</a:t>
             </a:fld>
             <a:endParaRPr lang="eu-ES"/>
           </a:p>
@@ -2633,7 +2634,7 @@
           <a:p>
             <a:fld id="{6C1D7ECC-EA29-4A17-BEE4-D83B1778AC25}" type="datetimeFigureOut">
               <a:rPr lang="eu-ES" smtClean="0"/>
-              <a:t>2019/3/12</a:t>
+              <a:t>2019/3/24</a:t>
             </a:fld>
             <a:endParaRPr lang="eu-ES"/>
           </a:p>
@@ -2895,7 +2896,7 @@
           <a:p>
             <a:fld id="{6C1D7ECC-EA29-4A17-BEE4-D83B1778AC25}" type="datetimeFigureOut">
               <a:rPr lang="eu-ES" smtClean="0"/>
-              <a:t>2019/3/12</a:t>
+              <a:t>2019/3/24</a:t>
             </a:fld>
             <a:endParaRPr lang="eu-ES"/>
           </a:p>
@@ -3224,7 +3225,7 @@
           <a:p>
             <a:fld id="{6C1D7ECC-EA29-4A17-BEE4-D83B1778AC25}" type="datetimeFigureOut">
               <a:rPr lang="eu-ES" smtClean="0"/>
-              <a:t>2019/3/12</a:t>
+              <a:t>2019/3/24</a:t>
             </a:fld>
             <a:endParaRPr lang="eu-ES"/>
           </a:p>
@@ -3547,7 +3548,7 @@
           <a:p>
             <a:fld id="{6C1D7ECC-EA29-4A17-BEE4-D83B1778AC25}" type="datetimeFigureOut">
               <a:rPr lang="eu-ES" smtClean="0"/>
-              <a:t>2019/3/12</a:t>
+              <a:t>2019/3/24</a:t>
             </a:fld>
             <a:endParaRPr lang="eu-ES"/>
           </a:p>
@@ -4004,7 +4005,7 @@
           <a:p>
             <a:fld id="{6C1D7ECC-EA29-4A17-BEE4-D83B1778AC25}" type="datetimeFigureOut">
               <a:rPr lang="eu-ES" smtClean="0"/>
-              <a:t>2019/3/12</a:t>
+              <a:t>2019/3/24</a:t>
             </a:fld>
             <a:endParaRPr lang="eu-ES"/>
           </a:p>
@@ -4209,7 +4210,7 @@
           <a:p>
             <a:fld id="{6C1D7ECC-EA29-4A17-BEE4-D83B1778AC25}" type="datetimeFigureOut">
               <a:rPr lang="eu-ES" smtClean="0"/>
-              <a:t>2019/3/12</a:t>
+              <a:t>2019/3/24</a:t>
             </a:fld>
             <a:endParaRPr lang="eu-ES"/>
           </a:p>
@@ -4386,7 +4387,7 @@
           <a:p>
             <a:fld id="{6C1D7ECC-EA29-4A17-BEE4-D83B1778AC25}" type="datetimeFigureOut">
               <a:rPr lang="eu-ES" smtClean="0"/>
-              <a:t>2019/3/12</a:t>
+              <a:t>2019/3/24</a:t>
             </a:fld>
             <a:endParaRPr lang="eu-ES"/>
           </a:p>
@@ -4719,7 +4720,7 @@
           <a:p>
             <a:fld id="{6C1D7ECC-EA29-4A17-BEE4-D83B1778AC25}" type="datetimeFigureOut">
               <a:rPr lang="eu-ES" smtClean="0"/>
-              <a:t>2019/3/12</a:t>
+              <a:t>2019/3/24</a:t>
             </a:fld>
             <a:endParaRPr lang="eu-ES"/>
           </a:p>
@@ -5064,7 +5065,7 @@
           <a:p>
             <a:fld id="{6C1D7ECC-EA29-4A17-BEE4-D83B1778AC25}" type="datetimeFigureOut">
               <a:rPr lang="eu-ES" smtClean="0"/>
-              <a:t>2019/3/12</a:t>
+              <a:t>2019/3/24</a:t>
             </a:fld>
             <a:endParaRPr lang="eu-ES"/>
           </a:p>
@@ -7181,7 +7182,7 @@
           <a:p>
             <a:fld id="{6C1D7ECC-EA29-4A17-BEE4-D83B1778AC25}" type="datetimeFigureOut">
               <a:rPr lang="eu-ES" smtClean="0"/>
-              <a:t>2019/3/12</a:t>
+              <a:t>2019/3/24</a:t>
             </a:fld>
             <a:endParaRPr lang="eu-ES"/>
           </a:p>
@@ -9182,7 +9183,7 @@
       </p:sp>
       <p:pic>
         <p:nvPicPr>
-          <p:cNvPr id="4" name="Content Placeholder 3"/>
+          <p:cNvPr id="5" name="Content Placeholder 4"/>
           <p:cNvPicPr>
             <a:picLocks noGrp="1" noChangeAspect="1"/>
           </p:cNvPicPr>
@@ -9204,8 +9205,8 @@
         </p:blipFill>
         <p:spPr>
           <a:xfrm>
-            <a:off x="1906073" y="1584101"/>
-            <a:ext cx="8343060" cy="4391695"/>
+            <a:off x="1996225" y="1905000"/>
+            <a:ext cx="8813027" cy="3778250"/>
           </a:xfrm>
         </p:spPr>
       </p:pic>
@@ -9913,7 +9914,7 @@
           <a:p>
             <a:r>
               <a:rPr lang="es-ES" b="1" dirty="0" smtClean="0"/>
-              <a:t>Bibliografía.</a:t>
+              <a:t>Documentación</a:t>
             </a:r>
             <a:endParaRPr lang="eu-ES" b="1" dirty="0"/>
           </a:p>
@@ -10097,6 +10098,85 @@
             <p:ph type="title"/>
           </p:nvPr>
         </p:nvSpPr>
+        <p:spPr/>
+        <p:txBody>
+          <a:bodyPr/>
+          <a:lstStyle/>
+          <a:p>
+            <a:r>
+              <a:rPr lang="es-ES" b="1" dirty="0" smtClean="0"/>
+              <a:t>Google </a:t>
+            </a:r>
+            <a:r>
+              <a:rPr lang="es-ES" b="1" dirty="0" err="1" smtClean="0"/>
+              <a:t>Sites</a:t>
+            </a:r>
+            <a:endParaRPr lang="es-ES" b="1" dirty="0"/>
+          </a:p>
+        </p:txBody>
+      </p:sp>
+      <p:sp>
+        <p:nvSpPr>
+          <p:cNvPr id="3" name="Content Placeholder 2"/>
+          <p:cNvSpPr>
+            <a:spLocks noGrp="1"/>
+          </p:cNvSpPr>
+          <p:nvPr>
+            <p:ph idx="1"/>
+          </p:nvPr>
+        </p:nvSpPr>
+        <p:spPr/>
+        <p:txBody>
+          <a:bodyPr/>
+          <a:lstStyle/>
+          <a:p>
+            <a:r>
+              <a:rPr lang="es-ES" dirty="0"/>
+              <a:t>https://sites.google.com/s/12Wn0cka2kz1ejJh0V8DQQQZbpafSVzJ0/p/1UXTcBAi31h_2mwnTtLgG4wtHLPuxPb2g/edit</a:t>
+            </a:r>
+          </a:p>
+        </p:txBody>
+      </p:sp>
+    </p:spTree>
+    <p:extLst>
+      <p:ext uri="{BB962C8B-B14F-4D97-AF65-F5344CB8AC3E}">
+        <p14:creationId xmlns:p14="http://schemas.microsoft.com/office/powerpoint/2010/main" val="3097547645"/>
+      </p:ext>
+    </p:extLst>
+  </p:cSld>
+  <p:clrMapOvr>
+    <a:masterClrMapping/>
+  </p:clrMapOvr>
+</p:sld>
+</file>
+
+<file path=ppt/slides/slide25.xml><?xml version="1.0" encoding="utf-8"?>
+<p:sld xmlns:a="http://schemas.openxmlformats.org/drawingml/2006/main" xmlns:r="http://schemas.openxmlformats.org/officeDocument/2006/relationships" xmlns:p="http://schemas.openxmlformats.org/presentationml/2006/main">
+  <p:cSld>
+    <p:spTree>
+      <p:nvGrpSpPr>
+        <p:cNvPr id="1" name=""/>
+        <p:cNvGrpSpPr/>
+        <p:nvPr/>
+      </p:nvGrpSpPr>
+      <p:grpSpPr>
+        <a:xfrm>
+          <a:off x="0" y="0"/>
+          <a:ext cx="0" cy="0"/>
+          <a:chOff x="0" y="0"/>
+          <a:chExt cx="0" cy="0"/>
+        </a:xfrm>
+      </p:grpSpPr>
+      <p:sp>
+        <p:nvSpPr>
+          <p:cNvPr id="2" name="Title 1"/>
+          <p:cNvSpPr>
+            <a:spLocks noGrp="1"/>
+          </p:cNvSpPr>
+          <p:nvPr>
+            <p:ph type="title"/>
+          </p:nvPr>
+        </p:nvSpPr>
         <p:spPr>
           <a:xfrm>
             <a:off x="463639" y="1242296"/>
@@ -10159,6 +10239,13 @@
   <p:clrMapOvr>
     <a:masterClrMapping/>
   </p:clrMapOvr>
+  <p:timing>
+    <p:tnLst>
+      <p:par>
+        <p:cTn id="1" dur="indefinite" restart="never" nodeType="tmRoot"/>
+      </p:par>
+    </p:tnLst>
+  </p:timing>
 </p:sld>
 </file>
 
